--- a/UNAM/Enero/Licitación/Esquemas.pptx
+++ b/UNAM/Enero/Licitación/Esquemas.pptx
@@ -105,6 +105,11 @@
       </a:defRPr>
     </a:lvl9pPr>
   </p:defaultTextStyle>
+  <p:extLst>
+    <p:ext uri="{EFAFB233-063F-42B5-8137-9DF3F51BA10A}">
+      <p15:sldGuideLst xmlns:p15="http://schemas.microsoft.com/office/powerpoint/2012/main"/>
+    </p:ext>
+  </p:extLst>
 </p:presentation>
 </file>
 
@@ -257,7 +262,7 @@
           <a:p>
             <a:fld id="{05561E08-FCA8-43F8-B12E-805B2B768CB2}" type="datetimeFigureOut">
               <a:rPr lang="es-MX" smtClean="0"/>
-              <a:t>14/01/2020</a:t>
+              <a:t>18/01/2020</a:t>
             </a:fld>
             <a:endParaRPr lang="es-MX"/>
           </a:p>
@@ -457,7 +462,7 @@
           <a:p>
             <a:fld id="{05561E08-FCA8-43F8-B12E-805B2B768CB2}" type="datetimeFigureOut">
               <a:rPr lang="es-MX" smtClean="0"/>
-              <a:t>14/01/2020</a:t>
+              <a:t>18/01/2020</a:t>
             </a:fld>
             <a:endParaRPr lang="es-MX"/>
           </a:p>
@@ -667,7 +672,7 @@
           <a:p>
             <a:fld id="{05561E08-FCA8-43F8-B12E-805B2B768CB2}" type="datetimeFigureOut">
               <a:rPr lang="es-MX" smtClean="0"/>
-              <a:t>14/01/2020</a:t>
+              <a:t>18/01/2020</a:t>
             </a:fld>
             <a:endParaRPr lang="es-MX"/>
           </a:p>
@@ -867,7 +872,7 @@
           <a:p>
             <a:fld id="{05561E08-FCA8-43F8-B12E-805B2B768CB2}" type="datetimeFigureOut">
               <a:rPr lang="es-MX" smtClean="0"/>
-              <a:t>14/01/2020</a:t>
+              <a:t>18/01/2020</a:t>
             </a:fld>
             <a:endParaRPr lang="es-MX"/>
           </a:p>
@@ -1143,7 +1148,7 @@
           <a:p>
             <a:fld id="{05561E08-FCA8-43F8-B12E-805B2B768CB2}" type="datetimeFigureOut">
               <a:rPr lang="es-MX" smtClean="0"/>
-              <a:t>14/01/2020</a:t>
+              <a:t>18/01/2020</a:t>
             </a:fld>
             <a:endParaRPr lang="es-MX"/>
           </a:p>
@@ -1411,7 +1416,7 @@
           <a:p>
             <a:fld id="{05561E08-FCA8-43F8-B12E-805B2B768CB2}" type="datetimeFigureOut">
               <a:rPr lang="es-MX" smtClean="0"/>
-              <a:t>14/01/2020</a:t>
+              <a:t>18/01/2020</a:t>
             </a:fld>
             <a:endParaRPr lang="es-MX"/>
           </a:p>
@@ -1826,7 +1831,7 @@
           <a:p>
             <a:fld id="{05561E08-FCA8-43F8-B12E-805B2B768CB2}" type="datetimeFigureOut">
               <a:rPr lang="es-MX" smtClean="0"/>
-              <a:t>14/01/2020</a:t>
+              <a:t>18/01/2020</a:t>
             </a:fld>
             <a:endParaRPr lang="es-MX"/>
           </a:p>
@@ -1968,7 +1973,7 @@
           <a:p>
             <a:fld id="{05561E08-FCA8-43F8-B12E-805B2B768CB2}" type="datetimeFigureOut">
               <a:rPr lang="es-MX" smtClean="0"/>
-              <a:t>14/01/2020</a:t>
+              <a:t>18/01/2020</a:t>
             </a:fld>
             <a:endParaRPr lang="es-MX"/>
           </a:p>
@@ -2081,7 +2086,7 @@
           <a:p>
             <a:fld id="{05561E08-FCA8-43F8-B12E-805B2B768CB2}" type="datetimeFigureOut">
               <a:rPr lang="es-MX" smtClean="0"/>
-              <a:t>14/01/2020</a:t>
+              <a:t>18/01/2020</a:t>
             </a:fld>
             <a:endParaRPr lang="es-MX"/>
           </a:p>
@@ -2394,7 +2399,7 @@
           <a:p>
             <a:fld id="{05561E08-FCA8-43F8-B12E-805B2B768CB2}" type="datetimeFigureOut">
               <a:rPr lang="es-MX" smtClean="0"/>
-              <a:t>14/01/2020</a:t>
+              <a:t>18/01/2020</a:t>
             </a:fld>
             <a:endParaRPr lang="es-MX"/>
           </a:p>
@@ -2683,7 +2688,7 @@
           <a:p>
             <a:fld id="{05561E08-FCA8-43F8-B12E-805B2B768CB2}" type="datetimeFigureOut">
               <a:rPr lang="es-MX" smtClean="0"/>
-              <a:t>14/01/2020</a:t>
+              <a:t>18/01/2020</a:t>
             </a:fld>
             <a:endParaRPr lang="es-MX"/>
           </a:p>
@@ -2926,7 +2931,7 @@
           <a:p>
             <a:fld id="{05561E08-FCA8-43F8-B12E-805B2B768CB2}" type="datetimeFigureOut">
               <a:rPr lang="es-MX" smtClean="0"/>
-              <a:t>14/01/2020</a:t>
+              <a:t>18/01/2020</a:t>
             </a:fld>
             <a:endParaRPr lang="es-MX"/>
           </a:p>
@@ -3988,7 +3993,7 @@
             <a:pPr algn="ctr"/>
             <a:r>
               <a:rPr lang="es-MX" b="1" dirty="0"/>
-              <a:t>Coordinadores Regionales (CR)</a:t>
+              <a:t>Coordinación Regional (CR)</a:t>
             </a:r>
           </a:p>
           <a:p>
@@ -4054,7 +4059,7 @@
             <a:pPr algn="ctr"/>
             <a:r>
               <a:rPr lang="es-MX" b="1" dirty="0"/>
-              <a:t>Coordinadores Estatales (CE)</a:t>
+              <a:t>Coordinación Estatal (CE)</a:t>
             </a:r>
           </a:p>
           <a:p>
@@ -4127,7 +4132,7 @@
             <a:pPr algn="ctr"/>
             <a:r>
               <a:rPr lang="es-MX" dirty="0"/>
-              <a:t>1,500</a:t>
+              <a:t>1,530</a:t>
             </a:r>
           </a:p>
         </p:txBody>
@@ -4146,7 +4151,7 @@
         </p:nvSpPr>
         <p:spPr>
           <a:xfrm>
-            <a:off x="8510154" y="3809178"/>
+            <a:off x="8621502" y="3783052"/>
             <a:ext cx="2001252" cy="696997"/>
           </a:xfrm>
           <a:prstGeom prst="rect">
@@ -4426,8 +4431,8 @@
         </p:nvCxnSpPr>
         <p:spPr>
           <a:xfrm>
-            <a:off x="7916328" y="3429000"/>
-            <a:ext cx="1461387" cy="0"/>
+            <a:off x="7915763" y="4727996"/>
+            <a:ext cx="1706365" cy="0"/>
           </a:xfrm>
           <a:prstGeom prst="line">
             <a:avLst/>
@@ -4560,8 +4565,8 @@
         </p:nvCxnSpPr>
         <p:spPr>
           <a:xfrm flipH="1">
-            <a:off x="9368150" y="3417678"/>
-            <a:ext cx="9565" cy="352796"/>
+            <a:off x="9614228" y="4727996"/>
+            <a:ext cx="5238" cy="291236"/>
           </a:xfrm>
           <a:prstGeom prst="straightConnector1">
             <a:avLst/>
@@ -4984,30 +4989,32 @@
       </p:cxnSp>
       <p:cxnSp>
         <p:nvCxnSpPr>
-          <p:cNvPr id="61" name="Conector recto 60">
-            <a:extLst>
-              <a:ext uri="{FF2B5EF4-FFF2-40B4-BE49-F238E27FC236}">
-                <a16:creationId xmlns:a16="http://schemas.microsoft.com/office/drawing/2014/main" id="{D1A9D285-0BD5-45C8-B647-B3847F9B4DB0}"/>
+          <p:cNvPr id="63" name="Conector recto de flecha 62">
+            <a:extLst>
+              <a:ext uri="{FF2B5EF4-FFF2-40B4-BE49-F238E27FC236}">
+                <a16:creationId xmlns:a16="http://schemas.microsoft.com/office/drawing/2014/main" id="{66B9A037-76EE-484A-8B2B-B4EDE873B000}"/>
               </a:ext>
             </a:extLst>
           </p:cNvPr>
           <p:cNvCxnSpPr>
             <a:cxnSpLocks/>
+            <a:endCxn id="21" idx="2"/>
           </p:cNvCxnSpPr>
           <p:nvPr/>
         </p:nvCxnSpPr>
         <p:spPr>
-          <a:xfrm flipH="1">
-            <a:off x="9375751" y="4515531"/>
-            <a:ext cx="1" cy="197784"/>
-          </a:xfrm>
-          <a:prstGeom prst="line">
+          <a:xfrm flipV="1">
+            <a:off x="9622128" y="4480049"/>
+            <a:ext cx="0" cy="247946"/>
+          </a:xfrm>
+          <a:prstGeom prst="straightConnector1">
             <a:avLst/>
           </a:prstGeom>
           <a:ln w="28575">
             <a:solidFill>
               <a:schemeClr val="tx1"/>
             </a:solidFill>
+            <a:tailEnd type="triangle"/>
           </a:ln>
         </p:spPr>
         <p:style>
@@ -5025,25 +5032,100 @@
           </a:fontRef>
         </p:style>
       </p:cxnSp>
+      <p:sp>
+        <p:nvSpPr>
+          <p:cNvPr id="36" name="Rectángulo 35">
+            <a:extLst>
+              <a:ext uri="{FF2B5EF4-FFF2-40B4-BE49-F238E27FC236}">
+                <a16:creationId xmlns:a16="http://schemas.microsoft.com/office/drawing/2014/main" id="{CFE0FA15-900B-4873-B02D-5E0C0AA77BC3}"/>
+              </a:ext>
+            </a:extLst>
+          </p:cNvPr>
+          <p:cNvSpPr/>
+          <p:nvPr/>
+        </p:nvSpPr>
+        <p:spPr>
+          <a:xfrm>
+            <a:off x="8621502" y="5019233"/>
+            <a:ext cx="2001252" cy="606360"/>
+          </a:xfrm>
+          <a:prstGeom prst="rect">
+            <a:avLst/>
+          </a:prstGeom>
+          <a:solidFill>
+            <a:schemeClr val="accent6">
+              <a:lumMod val="60000"/>
+              <a:lumOff val="40000"/>
+            </a:schemeClr>
+          </a:solidFill>
+          <a:ln>
+            <a:solidFill>
+              <a:schemeClr val="tx1"/>
+            </a:solidFill>
+          </a:ln>
+        </p:spPr>
+        <p:style>
+          <a:lnRef idx="2">
+            <a:schemeClr val="accent1">
+              <a:shade val="50000"/>
+            </a:schemeClr>
+          </a:lnRef>
+          <a:fillRef idx="1">
+            <a:schemeClr val="accent1"/>
+          </a:fillRef>
+          <a:effectRef idx="0">
+            <a:schemeClr val="accent1"/>
+          </a:effectRef>
+          <a:fontRef idx="minor">
+            <a:schemeClr val="lt1"/>
+          </a:fontRef>
+        </p:style>
+        <p:txBody>
+          <a:bodyPr rtlCol="0" anchor="ctr"/>
+          <a:lstStyle/>
+          <a:p>
+            <a:pPr algn="ctr"/>
+            <a:r>
+              <a:rPr lang="es-MX" sz="1400" b="1" dirty="0">
+                <a:solidFill>
+                  <a:schemeClr val="tx1"/>
+                </a:solidFill>
+              </a:rPr>
+              <a:t>Personal de apoyo (PA)</a:t>
+            </a:r>
+          </a:p>
+          <a:p>
+            <a:pPr algn="ctr"/>
+            <a:r>
+              <a:rPr lang="es-MX" sz="1400" dirty="0">
+                <a:solidFill>
+                  <a:schemeClr val="tx1"/>
+                </a:solidFill>
+              </a:rPr>
+              <a:t>32</a:t>
+            </a:r>
+          </a:p>
+        </p:txBody>
+      </p:sp>
       <p:cxnSp>
         <p:nvCxnSpPr>
-          <p:cNvPr id="63" name="Conector recto de flecha 62">
-            <a:extLst>
-              <a:ext uri="{FF2B5EF4-FFF2-40B4-BE49-F238E27FC236}">
-                <a16:creationId xmlns:a16="http://schemas.microsoft.com/office/drawing/2014/main" id="{66B9A037-76EE-484A-8B2B-B4EDE873B000}"/>
+          <p:cNvPr id="40" name="Conector recto de flecha 39">
+            <a:extLst>
+              <a:ext uri="{FF2B5EF4-FFF2-40B4-BE49-F238E27FC236}">
+                <a16:creationId xmlns:a16="http://schemas.microsoft.com/office/drawing/2014/main" id="{D2060B0B-0461-4C0E-B6B8-E0FEC694C3EB}"/>
               </a:ext>
             </a:extLst>
           </p:cNvPr>
           <p:cNvCxnSpPr>
             <a:cxnSpLocks/>
-            <a:endCxn id="19" idx="3"/>
+            <a:endCxn id="19" idx="0"/>
           </p:cNvCxnSpPr>
           <p:nvPr/>
         </p:nvCxnSpPr>
         <p:spPr>
-          <a:xfrm flipH="1" flipV="1">
-            <a:off x="7915763" y="4715418"/>
-            <a:ext cx="1452387" cy="5660"/>
+          <a:xfrm>
+            <a:off x="6166614" y="3851318"/>
+            <a:ext cx="850" cy="515601"/>
           </a:xfrm>
           <a:prstGeom prst="straightConnector1">
             <a:avLst/>
@@ -5114,8 +5196,8 @@
         </p:nvSpPr>
         <p:spPr>
           <a:xfrm>
-            <a:off x="834353" y="270282"/>
-            <a:ext cx="10923165" cy="6006517"/>
+            <a:off x="3422708" y="270282"/>
+            <a:ext cx="7752122" cy="6222593"/>
           </a:xfrm>
           <a:prstGeom prst="rect">
             <a:avLst/>
@@ -5171,8 +5253,8 @@
         </p:nvSpPr>
         <p:spPr>
           <a:xfrm>
-            <a:off x="1392571" y="1654465"/>
-            <a:ext cx="10100345" cy="4351338"/>
+            <a:off x="4244830" y="1654465"/>
+            <a:ext cx="6123964" cy="4351338"/>
           </a:xfrm>
           <a:prstGeom prst="rect">
             <a:avLst/>
@@ -5228,8 +5310,8 @@
         </p:nvSpPr>
         <p:spPr>
           <a:xfrm>
-            <a:off x="1971412" y="4229886"/>
-            <a:ext cx="8649049" cy="1575907"/>
+            <a:off x="4621775" y="4273682"/>
+            <a:ext cx="5268846" cy="1575907"/>
           </a:xfrm>
           <a:prstGeom prst="rect">
             <a:avLst/>
@@ -5341,7 +5423,7 @@
         </p:nvSpPr>
         <p:spPr>
           <a:xfrm>
-            <a:off x="4347698" y="540564"/>
+            <a:off x="5472052" y="429799"/>
             <a:ext cx="3496599" cy="862638"/>
           </a:xfrm>
           <a:prstGeom prst="rect">
@@ -5401,7 +5483,7 @@
         </p:nvSpPr>
         <p:spPr>
           <a:xfrm>
-            <a:off x="4834555" y="2123375"/>
+            <a:off x="4552826" y="1970197"/>
             <a:ext cx="2522884" cy="1575907"/>
           </a:xfrm>
           <a:prstGeom prst="rect">
@@ -5441,14 +5523,14 @@
             <a:pPr algn="ctr"/>
             <a:r>
               <a:rPr lang="es-MX" b="1" dirty="0"/>
-              <a:t>Coordinador de Sede de aplicación</a:t>
+              <a:t>Coordinador de Aplicación</a:t>
             </a:r>
           </a:p>
           <a:p>
             <a:pPr algn="ctr"/>
             <a:r>
               <a:rPr lang="es-MX" dirty="0"/>
-              <a:t>(De acuerdo con el número de aulas)</a:t>
+              <a:t>(1 por cada 4 aulas en la sede)</a:t>
             </a:r>
           </a:p>
         </p:txBody>
@@ -5467,7 +5549,7 @@
         </p:nvSpPr>
         <p:spPr>
           <a:xfrm>
-            <a:off x="5059661" y="4644172"/>
+            <a:off x="4849328" y="4695925"/>
             <a:ext cx="2173341" cy="862638"/>
           </a:xfrm>
           <a:prstGeom prst="rect">
@@ -5527,7 +5609,7 @@
         </p:nvSpPr>
         <p:spPr>
           <a:xfrm>
-            <a:off x="2368193" y="4644172"/>
+            <a:off x="7756809" y="2261223"/>
             <a:ext cx="2287749" cy="862638"/>
           </a:xfrm>
           <a:prstGeom prst="rect">
@@ -5567,11 +5649,18 @@
             <a:pPr algn="ctr"/>
             <a:r>
               <a:rPr lang="es-MX" sz="1400" b="1" dirty="0"/>
-              <a:t>Personal de Apoyo seleccionado por la Autoridad Educativa Estatal</a:t>
-            </a:r>
-            <a:r>
-              <a:rPr lang="es-MX" b="1" dirty="0"/>
-              <a:t> </a:t>
+              <a:t>Responsable técnico </a:t>
+            </a:r>
+            <a:r>
+              <a:rPr lang="es-MX" sz="1400" dirty="0"/>
+              <a:t>designado por la Autoridad Educativa Estatal</a:t>
+            </a:r>
+          </a:p>
+          <a:p>
+            <a:pPr algn="ctr"/>
+            <a:r>
+              <a:rPr lang="es-MX" sz="1400" dirty="0"/>
+              <a:t>1</a:t>
             </a:r>
             <a:endParaRPr lang="es-MX" dirty="0"/>
           </a:p>
@@ -5591,7 +5680,7 @@
         </p:nvSpPr>
         <p:spPr>
           <a:xfrm>
-            <a:off x="7751132" y="4644172"/>
+            <a:off x="7511801" y="4702948"/>
             <a:ext cx="2173341" cy="862638"/>
           </a:xfrm>
           <a:prstGeom prst="rect">
@@ -5630,10 +5719,9 @@
           <a:p>
             <a:pPr algn="ctr"/>
             <a:r>
-              <a:rPr lang="es-MX" b="1" dirty="0"/>
-              <a:t>Aplicador-Supervisor USICAMM</a:t>
-            </a:r>
-            <a:endParaRPr lang="es-MX" dirty="0"/>
+              <a:rPr lang="es-MX" dirty="0"/>
+              <a:t>Aplicador- Apoyo (Autoridad Educativa Estatal)</a:t>
+            </a:r>
           </a:p>
         </p:txBody>
       </p:sp>
@@ -5651,7 +5739,7 @@
         </p:nvSpPr>
         <p:spPr>
           <a:xfrm>
-            <a:off x="834353" y="223653"/>
+            <a:off x="3455893" y="270282"/>
             <a:ext cx="1837189" cy="369332"/>
           </a:xfrm>
           <a:prstGeom prst="rect">
@@ -5667,7 +5755,7 @@
           <a:p>
             <a:r>
               <a:rPr lang="es-MX" dirty="0"/>
-              <a:t>Entidad</a:t>
+              <a:t>Estado</a:t>
             </a:r>
           </a:p>
         </p:txBody>
@@ -5686,7 +5774,7 @@
         </p:nvSpPr>
         <p:spPr>
           <a:xfrm>
-            <a:off x="1392571" y="1600865"/>
+            <a:off x="9678190" y="1659215"/>
             <a:ext cx="1837189" cy="369332"/>
           </a:xfrm>
           <a:prstGeom prst="rect">
@@ -5721,7 +5809,7 @@
         </p:nvSpPr>
         <p:spPr>
           <a:xfrm>
-            <a:off x="1962463" y="4194204"/>
+            <a:off x="9277663" y="4228535"/>
             <a:ext cx="1837189" cy="369332"/>
           </a:xfrm>
           <a:prstGeom prst="rect">
@@ -5739,168 +5827,6 @@
               <a:rPr lang="es-MX" dirty="0"/>
               <a:t>Aula</a:t>
             </a:r>
-          </a:p>
-        </p:txBody>
-      </p:sp>
-      <p:sp>
-        <p:nvSpPr>
-          <p:cNvPr id="17" name="Flecha: a la derecha 16">
-            <a:extLst>
-              <a:ext uri="{FF2B5EF4-FFF2-40B4-BE49-F238E27FC236}">
-                <a16:creationId xmlns:a16="http://schemas.microsoft.com/office/drawing/2014/main" id="{311CD04F-6F9E-4CAA-9A3A-7B5E3DF597FD}"/>
-              </a:ext>
-            </a:extLst>
-          </p:cNvPr>
-          <p:cNvSpPr/>
-          <p:nvPr/>
-        </p:nvSpPr>
-        <p:spPr>
-          <a:xfrm rot="5400000">
-            <a:off x="5687434" y="3978781"/>
-            <a:ext cx="785232" cy="431769"/>
-          </a:xfrm>
-          <a:prstGeom prst="rightArrow">
-            <a:avLst/>
-          </a:prstGeom>
-          <a:solidFill>
-            <a:schemeClr val="bg1"/>
-          </a:solidFill>
-          <a:ln>
-            <a:solidFill>
-              <a:schemeClr val="tx1"/>
-            </a:solidFill>
-          </a:ln>
-        </p:spPr>
-        <p:style>
-          <a:lnRef idx="2">
-            <a:schemeClr val="accent1">
-              <a:shade val="50000"/>
-            </a:schemeClr>
-          </a:lnRef>
-          <a:fillRef idx="1">
-            <a:schemeClr val="accent1"/>
-          </a:fillRef>
-          <a:effectRef idx="0">
-            <a:schemeClr val="accent1"/>
-          </a:effectRef>
-          <a:fontRef idx="minor">
-            <a:schemeClr val="lt1"/>
-          </a:fontRef>
-        </p:style>
-        <p:txBody>
-          <a:bodyPr rtlCol="0" anchor="ctr"/>
-          <a:lstStyle/>
-          <a:p>
-            <a:pPr algn="ctr"/>
-            <a:endParaRPr lang="es-MX"/>
-          </a:p>
-        </p:txBody>
-      </p:sp>
-      <p:sp>
-        <p:nvSpPr>
-          <p:cNvPr id="18" name="Flecha: a la derecha 17">
-            <a:extLst>
-              <a:ext uri="{FF2B5EF4-FFF2-40B4-BE49-F238E27FC236}">
-                <a16:creationId xmlns:a16="http://schemas.microsoft.com/office/drawing/2014/main" id="{0539BC24-D8CC-4C5E-9D51-D87A13DE5E2F}"/>
-              </a:ext>
-            </a:extLst>
-          </p:cNvPr>
-          <p:cNvSpPr/>
-          <p:nvPr/>
-        </p:nvSpPr>
-        <p:spPr>
-          <a:xfrm rot="7420571">
-            <a:off x="4149931" y="3967530"/>
-            <a:ext cx="914638" cy="431769"/>
-          </a:xfrm>
-          <a:prstGeom prst="rightArrow">
-            <a:avLst/>
-          </a:prstGeom>
-          <a:solidFill>
-            <a:schemeClr val="bg1"/>
-          </a:solidFill>
-          <a:ln>
-            <a:solidFill>
-              <a:schemeClr val="tx1"/>
-            </a:solidFill>
-          </a:ln>
-        </p:spPr>
-        <p:style>
-          <a:lnRef idx="2">
-            <a:schemeClr val="accent1">
-              <a:shade val="50000"/>
-            </a:schemeClr>
-          </a:lnRef>
-          <a:fillRef idx="1">
-            <a:schemeClr val="accent1"/>
-          </a:fillRef>
-          <a:effectRef idx="0">
-            <a:schemeClr val="accent1"/>
-          </a:effectRef>
-          <a:fontRef idx="minor">
-            <a:schemeClr val="lt1"/>
-          </a:fontRef>
-        </p:style>
-        <p:txBody>
-          <a:bodyPr rtlCol="0" anchor="ctr"/>
-          <a:lstStyle/>
-          <a:p>
-            <a:pPr algn="ctr"/>
-            <a:endParaRPr lang="es-MX"/>
-          </a:p>
-        </p:txBody>
-      </p:sp>
-      <p:sp>
-        <p:nvSpPr>
-          <p:cNvPr id="19" name="Flecha: a la derecha 18">
-            <a:extLst>
-              <a:ext uri="{FF2B5EF4-FFF2-40B4-BE49-F238E27FC236}">
-                <a16:creationId xmlns:a16="http://schemas.microsoft.com/office/drawing/2014/main" id="{5F12589C-FB72-4883-9F22-94E20712028A}"/>
-              </a:ext>
-            </a:extLst>
-          </p:cNvPr>
-          <p:cNvSpPr/>
-          <p:nvPr/>
-        </p:nvSpPr>
-        <p:spPr>
-          <a:xfrm rot="2731964">
-            <a:off x="7218418" y="3964114"/>
-            <a:ext cx="1041745" cy="431769"/>
-          </a:xfrm>
-          <a:prstGeom prst="rightArrow">
-            <a:avLst/>
-          </a:prstGeom>
-          <a:solidFill>
-            <a:schemeClr val="bg1"/>
-          </a:solidFill>
-          <a:ln>
-            <a:solidFill>
-              <a:schemeClr val="tx1"/>
-            </a:solidFill>
-          </a:ln>
-        </p:spPr>
-        <p:style>
-          <a:lnRef idx="2">
-            <a:schemeClr val="accent1">
-              <a:shade val="50000"/>
-            </a:schemeClr>
-          </a:lnRef>
-          <a:fillRef idx="1">
-            <a:schemeClr val="accent1"/>
-          </a:fillRef>
-          <a:effectRef idx="0">
-            <a:schemeClr val="accent1"/>
-          </a:effectRef>
-          <a:fontRef idx="minor">
-            <a:schemeClr val="lt1"/>
-          </a:fontRef>
-        </p:style>
-        <p:txBody>
-          <a:bodyPr rtlCol="0" anchor="ctr"/>
-          <a:lstStyle/>
-          <a:p>
-            <a:pPr algn="ctr"/>
-            <a:endParaRPr lang="es-MX"/>
           </a:p>
         </p:txBody>
       </p:sp>
